--- a/images/edited_figs.pptx
+++ b/images/edited_figs.pptx
@@ -5,13 +5,17 @@
     <p:sldMasterId id="2147483648" r:id="rId1"/>
   </p:sldMasterIdLst>
   <p:notesMasterIdLst>
-    <p:notesMasterId r:id="rId6"/>
+    <p:notesMasterId r:id="rId10"/>
   </p:notesMasterIdLst>
   <p:sldIdLst>
     <p:sldId id="258" r:id="rId2"/>
     <p:sldId id="259" r:id="rId3"/>
     <p:sldId id="260" r:id="rId4"/>
     <p:sldId id="261" r:id="rId5"/>
+    <p:sldId id="262" r:id="rId6"/>
+    <p:sldId id="263" r:id="rId7"/>
+    <p:sldId id="265" r:id="rId8"/>
+    <p:sldId id="264" r:id="rId9"/>
   </p:sldIdLst>
   <p:sldSz cx="12192000" cy="6858000"/>
   <p:notesSz cx="6858000" cy="9144000"/>
@@ -200,7 +204,7 @@
           <a:p>
             <a:fld id="{9395CAB2-A3B4-8045-B19B-2C48C21BE63E}" type="datetimeFigureOut">
               <a:rPr lang="en-US" smtClean="0"/>
-              <a:t>12/12/23</a:t>
+              <a:t>12/15/23</a:t>
             </a:fld>
             <a:endParaRPr lang="en-US"/>
           </a:p>
@@ -950,7 +954,7 @@
           <a:p>
             <a:fld id="{79F8A53F-EBFD-CE43-9FF3-C91BD26FF8B9}" type="datetimeFigureOut">
               <a:rPr lang="en-US" smtClean="0"/>
-              <a:t>12/12/23</a:t>
+              <a:t>12/15/23</a:t>
             </a:fld>
             <a:endParaRPr lang="en-US"/>
           </a:p>
@@ -1148,7 +1152,7 @@
           <a:p>
             <a:fld id="{79F8A53F-EBFD-CE43-9FF3-C91BD26FF8B9}" type="datetimeFigureOut">
               <a:rPr lang="en-US" smtClean="0"/>
-              <a:t>12/12/23</a:t>
+              <a:t>12/15/23</a:t>
             </a:fld>
             <a:endParaRPr lang="en-US"/>
           </a:p>
@@ -1356,7 +1360,7 @@
           <a:p>
             <a:fld id="{79F8A53F-EBFD-CE43-9FF3-C91BD26FF8B9}" type="datetimeFigureOut">
               <a:rPr lang="en-US" smtClean="0"/>
-              <a:t>12/12/23</a:t>
+              <a:t>12/15/23</a:t>
             </a:fld>
             <a:endParaRPr lang="en-US"/>
           </a:p>
@@ -1554,7 +1558,7 @@
           <a:p>
             <a:fld id="{79F8A53F-EBFD-CE43-9FF3-C91BD26FF8B9}" type="datetimeFigureOut">
               <a:rPr lang="en-US" smtClean="0"/>
-              <a:t>12/12/23</a:t>
+              <a:t>12/15/23</a:t>
             </a:fld>
             <a:endParaRPr lang="en-US"/>
           </a:p>
@@ -1829,7 +1833,7 @@
           <a:p>
             <a:fld id="{79F8A53F-EBFD-CE43-9FF3-C91BD26FF8B9}" type="datetimeFigureOut">
               <a:rPr lang="en-US" smtClean="0"/>
-              <a:t>12/12/23</a:t>
+              <a:t>12/15/23</a:t>
             </a:fld>
             <a:endParaRPr lang="en-US"/>
           </a:p>
@@ -2094,7 +2098,7 @@
           <a:p>
             <a:fld id="{79F8A53F-EBFD-CE43-9FF3-C91BD26FF8B9}" type="datetimeFigureOut">
               <a:rPr lang="en-US" smtClean="0"/>
-              <a:t>12/12/23</a:t>
+              <a:t>12/15/23</a:t>
             </a:fld>
             <a:endParaRPr lang="en-US"/>
           </a:p>
@@ -2506,7 +2510,7 @@
           <a:p>
             <a:fld id="{79F8A53F-EBFD-CE43-9FF3-C91BD26FF8B9}" type="datetimeFigureOut">
               <a:rPr lang="en-US" smtClean="0"/>
-              <a:t>12/12/23</a:t>
+              <a:t>12/15/23</a:t>
             </a:fld>
             <a:endParaRPr lang="en-US"/>
           </a:p>
@@ -2647,7 +2651,7 @@
           <a:p>
             <a:fld id="{79F8A53F-EBFD-CE43-9FF3-C91BD26FF8B9}" type="datetimeFigureOut">
               <a:rPr lang="en-US" smtClean="0"/>
-              <a:t>12/12/23</a:t>
+              <a:t>12/15/23</a:t>
             </a:fld>
             <a:endParaRPr lang="en-US"/>
           </a:p>
@@ -2760,7 +2764,7 @@
           <a:p>
             <a:fld id="{79F8A53F-EBFD-CE43-9FF3-C91BD26FF8B9}" type="datetimeFigureOut">
               <a:rPr lang="en-US" smtClean="0"/>
-              <a:t>12/12/23</a:t>
+              <a:t>12/15/23</a:t>
             </a:fld>
             <a:endParaRPr lang="en-US"/>
           </a:p>
@@ -3071,7 +3075,7 @@
           <a:p>
             <a:fld id="{79F8A53F-EBFD-CE43-9FF3-C91BD26FF8B9}" type="datetimeFigureOut">
               <a:rPr lang="en-US" smtClean="0"/>
-              <a:t>12/12/23</a:t>
+              <a:t>12/15/23</a:t>
             </a:fld>
             <a:endParaRPr lang="en-US"/>
           </a:p>
@@ -3359,7 +3363,7 @@
           <a:p>
             <a:fld id="{79F8A53F-EBFD-CE43-9FF3-C91BD26FF8B9}" type="datetimeFigureOut">
               <a:rPr lang="en-US" smtClean="0"/>
-              <a:t>12/12/23</a:t>
+              <a:t>12/15/23</a:t>
             </a:fld>
             <a:endParaRPr lang="en-US"/>
           </a:p>
@@ -3600,7 +3604,7 @@
           <a:p>
             <a:fld id="{79F8A53F-EBFD-CE43-9FF3-C91BD26FF8B9}" type="datetimeFigureOut">
               <a:rPr lang="en-US" smtClean="0"/>
-              <a:t>12/12/23</a:t>
+              <a:t>12/15/23</a:t>
             </a:fld>
             <a:endParaRPr lang="en-US"/>
           </a:p>
@@ -5369,6 +5373,472 @@
     <p:extLst>
       <p:ext uri="{BB962C8B-B14F-4D97-AF65-F5344CB8AC3E}">
         <p14:creationId xmlns:p14="http://schemas.microsoft.com/office/powerpoint/2010/main" val="1479013973"/>
+      </p:ext>
+    </p:extLst>
+  </p:cSld>
+  <p:clrMapOvr>
+    <a:masterClrMapping/>
+  </p:clrMapOvr>
+</p:sld>
+</file>
+
+<file path=ppt/slides/slide5.xml><?xml version="1.0" encoding="utf-8"?>
+<p:sld xmlns:a="http://schemas.openxmlformats.org/drawingml/2006/main" xmlns:r="http://schemas.openxmlformats.org/officeDocument/2006/relationships" xmlns:p="http://schemas.openxmlformats.org/presentationml/2006/main">
+  <p:cSld>
+    <p:spTree>
+      <p:nvGrpSpPr>
+        <p:cNvPr id="1" name=""/>
+        <p:cNvGrpSpPr/>
+        <p:nvPr/>
+      </p:nvGrpSpPr>
+      <p:grpSpPr>
+        <a:xfrm>
+          <a:off x="0" y="0"/>
+          <a:ext cx="0" cy="0"/>
+          <a:chOff x="0" y="0"/>
+          <a:chExt cx="0" cy="0"/>
+        </a:xfrm>
+      </p:grpSpPr>
+      <p:pic>
+        <p:nvPicPr>
+          <p:cNvPr id="5" name="Content Placeholder 4" descr="A diagram of different colored rectangular objects&#10;&#10;Description automatically generated">
+            <a:extLst>
+              <a:ext uri="{FF2B5EF4-FFF2-40B4-BE49-F238E27FC236}">
+                <a16:creationId xmlns:a16="http://schemas.microsoft.com/office/drawing/2014/main" id="{B852CF5D-A51E-0F8E-9A19-3318BE43441D}"/>
+              </a:ext>
+            </a:extLst>
+          </p:cNvPr>
+          <p:cNvPicPr>
+            <a:picLocks noGrp="1" noChangeAspect="1"/>
+          </p:cNvPicPr>
+          <p:nvPr>
+            <p:ph idx="1"/>
+          </p:nvPr>
+        </p:nvPicPr>
+        <p:blipFill rotWithShape="1">
+          <a:blip r:embed="rId2"/>
+          <a:srcRect t="7705"/>
+          <a:stretch/>
+        </p:blipFill>
+        <p:spPr>
+          <a:xfrm>
+            <a:off x="2447181" y="1586203"/>
+            <a:ext cx="3186599" cy="3987127"/>
+          </a:xfrm>
+        </p:spPr>
+      </p:pic>
+      <p:pic>
+        <p:nvPicPr>
+          <p:cNvPr id="7" name="Picture 6" descr="A graph of different colored rectangular shapes&#10;&#10;Description automatically generated with medium confidence">
+            <a:extLst>
+              <a:ext uri="{FF2B5EF4-FFF2-40B4-BE49-F238E27FC236}">
+                <a16:creationId xmlns:a16="http://schemas.microsoft.com/office/drawing/2014/main" id="{D90AB613-A993-7276-A113-896EED4328F2}"/>
+              </a:ext>
+            </a:extLst>
+          </p:cNvPr>
+          <p:cNvPicPr>
+            <a:picLocks noChangeAspect="1"/>
+          </p:cNvPicPr>
+          <p:nvPr/>
+        </p:nvPicPr>
+        <p:blipFill rotWithShape="1">
+          <a:blip r:embed="rId3"/>
+          <a:srcRect l="6000" t="6980"/>
+          <a:stretch/>
+        </p:blipFill>
+        <p:spPr>
+          <a:xfrm>
+            <a:off x="5695981" y="1586203"/>
+            <a:ext cx="3060970" cy="4018466"/>
+          </a:xfrm>
+          <a:prstGeom prst="rect">
+            <a:avLst/>
+          </a:prstGeom>
+        </p:spPr>
+      </p:pic>
+      <p:sp>
+        <p:nvSpPr>
+          <p:cNvPr id="8" name="Rectangle 7">
+            <a:extLst>
+              <a:ext uri="{FF2B5EF4-FFF2-40B4-BE49-F238E27FC236}">
+                <a16:creationId xmlns:a16="http://schemas.microsoft.com/office/drawing/2014/main" id="{8419003B-45D9-536E-74FE-C9957A27F7A6}"/>
+              </a:ext>
+            </a:extLst>
+          </p:cNvPr>
+          <p:cNvSpPr/>
+          <p:nvPr/>
+        </p:nvSpPr>
+        <p:spPr>
+          <a:xfrm>
+            <a:off x="5529943" y="1200539"/>
+            <a:ext cx="166038" cy="167951"/>
+          </a:xfrm>
+          <a:prstGeom prst="rect">
+            <a:avLst/>
+          </a:prstGeom>
+          <a:solidFill>
+            <a:schemeClr val="bg1"/>
+          </a:solidFill>
+          <a:ln>
+            <a:noFill/>
+          </a:ln>
+        </p:spPr>
+        <p:style>
+          <a:lnRef idx="2">
+            <a:schemeClr val="accent1">
+              <a:shade val="50000"/>
+            </a:schemeClr>
+          </a:lnRef>
+          <a:fillRef idx="1">
+            <a:schemeClr val="accent1"/>
+          </a:fillRef>
+          <a:effectRef idx="0">
+            <a:schemeClr val="accent1"/>
+          </a:effectRef>
+          <a:fontRef idx="minor">
+            <a:schemeClr val="lt1"/>
+          </a:fontRef>
+        </p:style>
+        <p:txBody>
+          <a:bodyPr rtlCol="0" anchor="ctr"/>
+          <a:lstStyle/>
+          <a:p>
+            <a:pPr algn="ctr"/>
+            <a:endParaRPr lang="en-US"/>
+          </a:p>
+        </p:txBody>
+      </p:sp>
+      <p:sp>
+        <p:nvSpPr>
+          <p:cNvPr id="9" name="TextBox 8">
+            <a:extLst>
+              <a:ext uri="{FF2B5EF4-FFF2-40B4-BE49-F238E27FC236}">
+                <a16:creationId xmlns:a16="http://schemas.microsoft.com/office/drawing/2014/main" id="{61639894-D523-9052-9F6C-0907ADF7B0F6}"/>
+              </a:ext>
+            </a:extLst>
+          </p:cNvPr>
+          <p:cNvSpPr txBox="1"/>
+          <p:nvPr/>
+        </p:nvSpPr>
+        <p:spPr>
+          <a:xfrm>
+            <a:off x="2884113" y="1386969"/>
+            <a:ext cx="2728849" cy="261610"/>
+          </a:xfrm>
+          <a:prstGeom prst="rect">
+            <a:avLst/>
+          </a:prstGeom>
+          <a:noFill/>
+        </p:spPr>
+        <p:txBody>
+          <a:bodyPr wrap="square" rtlCol="0">
+            <a:spAutoFit/>
+          </a:bodyPr>
+          <a:lstStyle/>
+          <a:p>
+            <a:r>
+              <a:rPr lang="en-US" sz="1100" dirty="0"/>
+              <a:t>Growth</a:t>
+            </a:r>
+          </a:p>
+        </p:txBody>
+      </p:sp>
+      <p:sp>
+        <p:nvSpPr>
+          <p:cNvPr id="10" name="TextBox 9">
+            <a:extLst>
+              <a:ext uri="{FF2B5EF4-FFF2-40B4-BE49-F238E27FC236}">
+                <a16:creationId xmlns:a16="http://schemas.microsoft.com/office/drawing/2014/main" id="{5BCAF02F-9A49-854D-5DB6-F8AD30EC4C87}"/>
+              </a:ext>
+            </a:extLst>
+          </p:cNvPr>
+          <p:cNvSpPr txBox="1"/>
+          <p:nvPr/>
+        </p:nvSpPr>
+        <p:spPr>
+          <a:xfrm>
+            <a:off x="5966875" y="1386969"/>
+            <a:ext cx="2728849" cy="261610"/>
+          </a:xfrm>
+          <a:prstGeom prst="rect">
+            <a:avLst/>
+          </a:prstGeom>
+          <a:noFill/>
+        </p:spPr>
+        <p:txBody>
+          <a:bodyPr wrap="square" rtlCol="0">
+            <a:spAutoFit/>
+          </a:bodyPr>
+          <a:lstStyle/>
+          <a:p>
+            <a:r>
+              <a:rPr lang="en-US" sz="1100" dirty="0"/>
+              <a:t>Survival</a:t>
+            </a:r>
+          </a:p>
+        </p:txBody>
+      </p:sp>
+      <p:pic>
+        <p:nvPicPr>
+          <p:cNvPr id="11" name="Picture 10" descr="A graph of different colored rectangular shapes&#10;&#10;Description automatically generated with medium confidence">
+            <a:extLst>
+              <a:ext uri="{FF2B5EF4-FFF2-40B4-BE49-F238E27FC236}">
+                <a16:creationId xmlns:a16="http://schemas.microsoft.com/office/drawing/2014/main" id="{3582FB04-EAD2-B199-F69A-244506B3A6B0}"/>
+              </a:ext>
+            </a:extLst>
+          </p:cNvPr>
+          <p:cNvPicPr>
+            <a:picLocks noChangeAspect="1"/>
+          </p:cNvPicPr>
+          <p:nvPr/>
+        </p:nvPicPr>
+        <p:blipFill rotWithShape="1">
+          <a:blip r:embed="rId3"/>
+          <a:srcRect l="6000" b="93944"/>
+          <a:stretch/>
+        </p:blipFill>
+        <p:spPr>
+          <a:xfrm>
+            <a:off x="4248537" y="5604669"/>
+            <a:ext cx="3060970" cy="261610"/>
+          </a:xfrm>
+          <a:prstGeom prst="rect">
+            <a:avLst/>
+          </a:prstGeom>
+        </p:spPr>
+      </p:pic>
+    </p:spTree>
+    <p:extLst>
+      <p:ext uri="{BB962C8B-B14F-4D97-AF65-F5344CB8AC3E}">
+        <p14:creationId xmlns:p14="http://schemas.microsoft.com/office/powerpoint/2010/main" val="1958485135"/>
+      </p:ext>
+    </p:extLst>
+  </p:cSld>
+  <p:clrMapOvr>
+    <a:masterClrMapping/>
+  </p:clrMapOvr>
+</p:sld>
+</file>
+
+<file path=ppt/slides/slide6.xml><?xml version="1.0" encoding="utf-8"?>
+<p:sld xmlns:a="http://schemas.openxmlformats.org/drawingml/2006/main" xmlns:r="http://schemas.openxmlformats.org/officeDocument/2006/relationships" xmlns:p="http://schemas.openxmlformats.org/presentationml/2006/main">
+  <p:cSld>
+    <p:spTree>
+      <p:nvGrpSpPr>
+        <p:cNvPr id="1" name=""/>
+        <p:cNvGrpSpPr/>
+        <p:nvPr/>
+      </p:nvGrpSpPr>
+      <p:grpSpPr>
+        <a:xfrm>
+          <a:off x="0" y="0"/>
+          <a:ext cx="0" cy="0"/>
+          <a:chOff x="0" y="0"/>
+          <a:chExt cx="0" cy="0"/>
+        </a:xfrm>
+      </p:grpSpPr>
+      <p:grpSp>
+        <p:nvGrpSpPr>
+          <p:cNvPr id="7" name="Group 6">
+            <a:extLst>
+              <a:ext uri="{FF2B5EF4-FFF2-40B4-BE49-F238E27FC236}">
+                <a16:creationId xmlns:a16="http://schemas.microsoft.com/office/drawing/2014/main" id="{648FE44C-8EB4-BD6C-4F52-31301B6A1C09}"/>
+              </a:ext>
+            </a:extLst>
+          </p:cNvPr>
+          <p:cNvGrpSpPr/>
+          <p:nvPr/>
+        </p:nvGrpSpPr>
+        <p:grpSpPr>
+          <a:xfrm>
+            <a:off x="2580128" y="1678457"/>
+            <a:ext cx="7784756" cy="3861488"/>
+            <a:chOff x="2580128" y="1678457"/>
+            <a:chExt cx="7784756" cy="3861488"/>
+          </a:xfrm>
+        </p:grpSpPr>
+        <p:pic>
+          <p:nvPicPr>
+            <p:cNvPr id="5" name="Picture 4" descr="A screenshot of a graph&#10;&#10;Description automatically generated">
+              <a:extLst>
+                <a:ext uri="{FF2B5EF4-FFF2-40B4-BE49-F238E27FC236}">
+                  <a16:creationId xmlns:a16="http://schemas.microsoft.com/office/drawing/2014/main" id="{557AFD0E-BCAF-3D1B-5B6D-B17B79136E0A}"/>
+                </a:ext>
+              </a:extLst>
+            </p:cNvPr>
+            <p:cNvPicPr>
+              <a:picLocks noChangeAspect="1"/>
+            </p:cNvPicPr>
+            <p:nvPr/>
+          </p:nvPicPr>
+          <p:blipFill rotWithShape="1">
+            <a:blip r:embed="rId2"/>
+            <a:srcRect b="93939"/>
+            <a:stretch/>
+          </p:blipFill>
+          <p:spPr>
+            <a:xfrm>
+              <a:off x="2580128" y="1678457"/>
+              <a:ext cx="7772400" cy="304801"/>
+            </a:xfrm>
+            <a:prstGeom prst="rect">
+              <a:avLst/>
+            </a:prstGeom>
+          </p:spPr>
+        </p:pic>
+        <p:pic>
+          <p:nvPicPr>
+            <p:cNvPr id="6" name="Picture 5" descr="A screenshot of a graph&#10;&#10;Description automatically generated">
+              <a:extLst>
+                <a:ext uri="{FF2B5EF4-FFF2-40B4-BE49-F238E27FC236}">
+                  <a16:creationId xmlns:a16="http://schemas.microsoft.com/office/drawing/2014/main" id="{91553B38-C321-EFD9-850D-9F06995978C2}"/>
+                </a:ext>
+              </a:extLst>
+            </p:cNvPr>
+            <p:cNvPicPr>
+              <a:picLocks noChangeAspect="1"/>
+            </p:cNvPicPr>
+            <p:nvPr/>
+          </p:nvPicPr>
+          <p:blipFill rotWithShape="1">
+            <a:blip r:embed="rId2"/>
+            <a:srcRect t="29034"/>
+            <a:stretch/>
+          </p:blipFill>
+          <p:spPr>
+            <a:xfrm>
+              <a:off x="2592484" y="1970902"/>
+              <a:ext cx="7772400" cy="3569043"/>
+            </a:xfrm>
+            <a:prstGeom prst="rect">
+              <a:avLst/>
+            </a:prstGeom>
+          </p:spPr>
+        </p:pic>
+      </p:grpSp>
+    </p:spTree>
+    <p:extLst>
+      <p:ext uri="{BB962C8B-B14F-4D97-AF65-F5344CB8AC3E}">
+        <p14:creationId xmlns:p14="http://schemas.microsoft.com/office/powerpoint/2010/main" val="2321187815"/>
+      </p:ext>
+    </p:extLst>
+  </p:cSld>
+  <p:clrMapOvr>
+    <a:masterClrMapping/>
+  </p:clrMapOvr>
+</p:sld>
+</file>
+
+<file path=ppt/slides/slide7.xml><?xml version="1.0" encoding="utf-8"?>
+<p:sld xmlns:a="http://schemas.openxmlformats.org/drawingml/2006/main" xmlns:r="http://schemas.openxmlformats.org/officeDocument/2006/relationships" xmlns:p="http://schemas.openxmlformats.org/presentationml/2006/main">
+  <p:cSld>
+    <p:spTree>
+      <p:nvGrpSpPr>
+        <p:cNvPr id="1" name=""/>
+        <p:cNvGrpSpPr/>
+        <p:nvPr/>
+      </p:nvGrpSpPr>
+      <p:grpSpPr>
+        <a:xfrm>
+          <a:off x="0" y="0"/>
+          <a:ext cx="0" cy="0"/>
+          <a:chOff x="0" y="0"/>
+          <a:chExt cx="0" cy="0"/>
+        </a:xfrm>
+      </p:grpSpPr>
+      <p:pic>
+        <p:nvPicPr>
+          <p:cNvPr id="6" name="Picture 5" descr="A screenshot of a graph&#10;&#10;Description automatically generated">
+            <a:extLst>
+              <a:ext uri="{FF2B5EF4-FFF2-40B4-BE49-F238E27FC236}">
+                <a16:creationId xmlns:a16="http://schemas.microsoft.com/office/drawing/2014/main" id="{91553B38-C321-EFD9-850D-9F06995978C2}"/>
+              </a:ext>
+            </a:extLst>
+          </p:cNvPr>
+          <p:cNvPicPr>
+            <a:picLocks noChangeAspect="1"/>
+          </p:cNvPicPr>
+          <p:nvPr/>
+        </p:nvPicPr>
+        <p:blipFill rotWithShape="1">
+          <a:blip r:embed="rId2"/>
+          <a:srcRect t="902"/>
+          <a:stretch/>
+        </p:blipFill>
+        <p:spPr>
+          <a:xfrm>
+            <a:off x="2592484" y="556054"/>
+            <a:ext cx="7772400" cy="4983891"/>
+          </a:xfrm>
+          <a:prstGeom prst="rect">
+            <a:avLst/>
+          </a:prstGeom>
+        </p:spPr>
+      </p:pic>
+    </p:spTree>
+    <p:extLst>
+      <p:ext uri="{BB962C8B-B14F-4D97-AF65-F5344CB8AC3E}">
+        <p14:creationId xmlns:p14="http://schemas.microsoft.com/office/powerpoint/2010/main" val="2836459762"/>
+      </p:ext>
+    </p:extLst>
+  </p:cSld>
+  <p:clrMapOvr>
+    <a:masterClrMapping/>
+  </p:clrMapOvr>
+</p:sld>
+</file>
+
+<file path=ppt/slides/slide8.xml><?xml version="1.0" encoding="utf-8"?>
+<p:sld xmlns:a="http://schemas.openxmlformats.org/drawingml/2006/main" xmlns:r="http://schemas.openxmlformats.org/officeDocument/2006/relationships" xmlns:p="http://schemas.openxmlformats.org/presentationml/2006/main">
+  <p:cSld>
+    <p:spTree>
+      <p:nvGrpSpPr>
+        <p:cNvPr id="1" name=""/>
+        <p:cNvGrpSpPr/>
+        <p:nvPr/>
+      </p:nvGrpSpPr>
+      <p:grpSpPr>
+        <a:xfrm>
+          <a:off x="0" y="0"/>
+          <a:ext cx="0" cy="0"/>
+          <a:chOff x="0" y="0"/>
+          <a:chExt cx="0" cy="0"/>
+        </a:xfrm>
+      </p:grpSpPr>
+      <p:pic>
+        <p:nvPicPr>
+          <p:cNvPr id="5" name="Picture 4" descr="A screenshot of a graph&#10;&#10;Description automatically generated">
+            <a:extLst>
+              <a:ext uri="{FF2B5EF4-FFF2-40B4-BE49-F238E27FC236}">
+                <a16:creationId xmlns:a16="http://schemas.microsoft.com/office/drawing/2014/main" id="{557AFD0E-BCAF-3D1B-5B6D-B17B79136E0A}"/>
+              </a:ext>
+            </a:extLst>
+          </p:cNvPr>
+          <p:cNvPicPr>
+            <a:picLocks noChangeAspect="1"/>
+          </p:cNvPicPr>
+          <p:nvPr/>
+        </p:nvPicPr>
+        <p:blipFill>
+          <a:blip r:embed="rId2"/>
+          <a:stretch>
+            <a:fillRect/>
+          </a:stretch>
+        </p:blipFill>
+        <p:spPr>
+          <a:xfrm>
+            <a:off x="1995240" y="630194"/>
+            <a:ext cx="7772400" cy="5029200"/>
+          </a:xfrm>
+          <a:prstGeom prst="rect">
+            <a:avLst/>
+          </a:prstGeom>
+        </p:spPr>
+      </p:pic>
+    </p:spTree>
+    <p:extLst>
+      <p:ext uri="{BB962C8B-B14F-4D97-AF65-F5344CB8AC3E}">
+        <p14:creationId xmlns:p14="http://schemas.microsoft.com/office/powerpoint/2010/main" val="1300077879"/>
       </p:ext>
     </p:extLst>
   </p:cSld>
